--- a/01_introduction/R_intro.pptx
+++ b/01_introduction/R_intro.pptx
@@ -300,7 +300,7 @@
         <p:spPr>
           <a:xfrm>
             <a:off x="685800" y="4343400"/>
-            <a:ext cx="5486399" cy="4114800"/>
+            <a:ext cx="5486400" cy="4114800"/>
           </a:xfrm>
           <a:prstGeom prst="rect">
             <a:avLst/>
@@ -414,7 +414,7 @@
         <p:spPr>
           <a:xfrm>
             <a:off x="685800" y="4343400"/>
-            <a:ext cx="5486399" cy="4114800"/>
+            <a:ext cx="5486400" cy="4114800"/>
           </a:xfrm>
           <a:prstGeom prst="rect">
             <a:avLst/>
@@ -1050,7 +1050,15 @@
             </a:pPr>
             <a:r>
               <a:rPr lang="en-US"/>
-              <a:t>es mi primera vez, yo puedo cambiar el material un poco depende sus preguntas y experiencia. Cuando ustedes tienen preguntas despues este dia por favor enviarme. </a:t>
+              <a:t>es mi primera vez, yo puedo cambiar el material un poco depende sus preguntas y experiencia. Cuando ustedes tienen preguntas </a:t>
+            </a:r>
+            <a:r>
+              <a:rPr lang="en-US"/>
+              <a:t>después</a:t>
+            </a:r>
+            <a:r>
+              <a:rPr lang="en-US"/>
+              <a:t> este dia por favor enviarme. </a:t>
             </a:r>
           </a:p>
         </p:txBody>
@@ -1565,7 +1573,7 @@
         </p:nvSpPr>
         <p:spPr>
           <a:xfrm>
-            <a:off x="1080016" y="1767461"/>
+            <a:off x="1080016" y="1767462"/>
             <a:ext cx="12240181" cy="3759917"/>
           </a:xfrm>
           <a:prstGeom prst="rect">
@@ -1671,8 +1679,8 @@
         </p:nvSpPr>
         <p:spPr>
           <a:xfrm>
-            <a:off x="1800026" y="5672376"/>
-            <a:ext cx="10800159" cy="2607442"/>
+            <a:off x="1800027" y="5672376"/>
+            <a:ext cx="10800160" cy="2607442"/>
           </a:xfrm>
           <a:prstGeom prst="rect">
             <a:avLst/>
@@ -1897,8 +1905,8 @@
         </p:nvSpPr>
         <p:spPr>
           <a:xfrm>
-            <a:off x="990015" y="10009782"/>
-            <a:ext cx="3240048" cy="574986"/>
+            <a:off x="990015" y="10009783"/>
+            <a:ext cx="3240048" cy="574987"/>
           </a:xfrm>
           <a:prstGeom prst="rect">
             <a:avLst/>
@@ -2060,8 +2068,8 @@
         </p:nvSpPr>
         <p:spPr>
           <a:xfrm>
-            <a:off x="4770071" y="10009782"/>
-            <a:ext cx="4860071" cy="574986"/>
+            <a:off x="4770071" y="10009783"/>
+            <a:ext cx="4860072" cy="574987"/>
           </a:xfrm>
           <a:prstGeom prst="rect">
             <a:avLst/>
@@ -2223,8 +2231,8 @@
         </p:nvSpPr>
         <p:spPr>
           <a:xfrm>
-            <a:off x="10170150" y="10009782"/>
-            <a:ext cx="3240048" cy="574986"/>
+            <a:off x="10170150" y="10009783"/>
+            <a:ext cx="3240048" cy="574987"/>
           </a:xfrm>
           <a:prstGeom prst="rect">
             <a:avLst/>
@@ -2297,8 +2305,8 @@
         </p:nvSpPr>
         <p:spPr>
           <a:xfrm>
-            <a:off x="990015" y="574989"/>
-            <a:ext cx="12420184" cy="2087454"/>
+            <a:off x="990015" y="574990"/>
+            <a:ext cx="12420184" cy="2087455"/>
           </a:xfrm>
           <a:prstGeom prst="rect">
             <a:avLst/>
@@ -2403,7 +2411,7 @@
         </p:nvSpPr>
         <p:spPr>
           <a:xfrm rot="5400000">
-            <a:off x="3773931" y="91019"/>
+            <a:off x="3773931" y="91020"/>
             <a:ext cx="6852350" cy="12420184"/>
           </a:xfrm>
           <a:prstGeom prst="rect">
@@ -2638,8 +2646,8 @@
         </p:nvSpPr>
         <p:spPr>
           <a:xfrm>
-            <a:off x="990015" y="10009782"/>
-            <a:ext cx="3240048" cy="574986"/>
+            <a:off x="990015" y="10009783"/>
+            <a:ext cx="3240048" cy="574987"/>
           </a:xfrm>
           <a:prstGeom prst="rect">
             <a:avLst/>
@@ -2801,8 +2809,8 @@
         </p:nvSpPr>
         <p:spPr>
           <a:xfrm>
-            <a:off x="4770071" y="10009782"/>
-            <a:ext cx="4860071" cy="574986"/>
+            <a:off x="4770071" y="10009783"/>
+            <a:ext cx="4860072" cy="574987"/>
           </a:xfrm>
           <a:prstGeom prst="rect">
             <a:avLst/>
@@ -2964,8 +2972,8 @@
         </p:nvSpPr>
         <p:spPr>
           <a:xfrm>
-            <a:off x="10170150" y="10009782"/>
-            <a:ext cx="3240048" cy="574986"/>
+            <a:off x="10170150" y="10009783"/>
+            <a:ext cx="3240048" cy="574987"/>
           </a:xfrm>
           <a:prstGeom prst="rect">
             <a:avLst/>
@@ -3144,8 +3152,8 @@
         </p:nvSpPr>
         <p:spPr>
           <a:xfrm rot="5400000">
-            <a:off x="981432" y="583569"/>
-            <a:ext cx="9152300" cy="9135134"/>
+            <a:off x="981433" y="583570"/>
+            <a:ext cx="9152300" cy="9135135"/>
           </a:xfrm>
           <a:prstGeom prst="rect">
             <a:avLst/>
@@ -3379,8 +3387,8 @@
         </p:nvSpPr>
         <p:spPr>
           <a:xfrm>
-            <a:off x="990015" y="10009782"/>
-            <a:ext cx="3240048" cy="574986"/>
+            <a:off x="990015" y="10009783"/>
+            <a:ext cx="3240048" cy="574987"/>
           </a:xfrm>
           <a:prstGeom prst="rect">
             <a:avLst/>
@@ -3542,8 +3550,8 @@
         </p:nvSpPr>
         <p:spPr>
           <a:xfrm>
-            <a:off x="4770071" y="10009782"/>
-            <a:ext cx="4860071" cy="574986"/>
+            <a:off x="4770071" y="10009783"/>
+            <a:ext cx="4860072" cy="574987"/>
           </a:xfrm>
           <a:prstGeom prst="rect">
             <a:avLst/>
@@ -3705,8 +3713,8 @@
         </p:nvSpPr>
         <p:spPr>
           <a:xfrm>
-            <a:off x="10170150" y="10009782"/>
-            <a:ext cx="3240048" cy="574986"/>
+            <a:off x="10170150" y="10009783"/>
+            <a:ext cx="3240048" cy="574987"/>
           </a:xfrm>
           <a:prstGeom prst="rect">
             <a:avLst/>
@@ -3779,8 +3787,8 @@
         </p:nvSpPr>
         <p:spPr>
           <a:xfrm>
-            <a:off x="990015" y="574989"/>
-            <a:ext cx="12420184" cy="2087454"/>
+            <a:off x="990015" y="574990"/>
+            <a:ext cx="12420184" cy="2087455"/>
           </a:xfrm>
           <a:prstGeom prst="rect">
             <a:avLst/>
@@ -3885,7 +3893,7 @@
         </p:nvSpPr>
         <p:spPr>
           <a:xfrm>
-            <a:off x="990015" y="2874936"/>
+            <a:off x="990015" y="2874937"/>
             <a:ext cx="12420184" cy="6852350"/>
           </a:xfrm>
           <a:prstGeom prst="rect">
@@ -4120,8 +4128,8 @@
         </p:nvSpPr>
         <p:spPr>
           <a:xfrm>
-            <a:off x="990015" y="10009782"/>
-            <a:ext cx="3240048" cy="574986"/>
+            <a:off x="990015" y="10009783"/>
+            <a:ext cx="3240048" cy="574987"/>
           </a:xfrm>
           <a:prstGeom prst="rect">
             <a:avLst/>
@@ -4283,8 +4291,8 @@
         </p:nvSpPr>
         <p:spPr>
           <a:xfrm>
-            <a:off x="4770071" y="10009782"/>
-            <a:ext cx="4860071" cy="574986"/>
+            <a:off x="4770071" y="10009783"/>
+            <a:ext cx="4860072" cy="574987"/>
           </a:xfrm>
           <a:prstGeom prst="rect">
             <a:avLst/>
@@ -4446,8 +4454,8 @@
         </p:nvSpPr>
         <p:spPr>
           <a:xfrm>
-            <a:off x="10170150" y="10009782"/>
-            <a:ext cx="3240048" cy="574986"/>
+            <a:off x="10170150" y="10009783"/>
+            <a:ext cx="3240048" cy="574987"/>
           </a:xfrm>
           <a:prstGeom prst="rect">
             <a:avLst/>
@@ -4520,7 +4528,7 @@
         </p:nvSpPr>
         <p:spPr>
           <a:xfrm>
-            <a:off x="982515" y="2692443"/>
+            <a:off x="982515" y="2692444"/>
             <a:ext cx="12420184" cy="4492401"/>
           </a:xfrm>
           <a:prstGeom prst="rect">
@@ -4627,7 +4635,7 @@
         <p:spPr>
           <a:xfrm>
             <a:off x="982515" y="7227345"/>
-            <a:ext cx="12420184" cy="2362446"/>
+            <a:ext cx="12420184" cy="2362447"/>
           </a:xfrm>
           <a:prstGeom prst="rect">
             <a:avLst/>
@@ -4852,8 +4860,8 @@
         </p:nvSpPr>
         <p:spPr>
           <a:xfrm>
-            <a:off x="990015" y="10009782"/>
-            <a:ext cx="3240048" cy="574986"/>
+            <a:off x="990015" y="10009783"/>
+            <a:ext cx="3240048" cy="574987"/>
           </a:xfrm>
           <a:prstGeom prst="rect">
             <a:avLst/>
@@ -5015,8 +5023,8 @@
         </p:nvSpPr>
         <p:spPr>
           <a:xfrm>
-            <a:off x="4770071" y="10009782"/>
-            <a:ext cx="4860071" cy="574986"/>
+            <a:off x="4770071" y="10009783"/>
+            <a:ext cx="4860072" cy="574987"/>
           </a:xfrm>
           <a:prstGeom prst="rect">
             <a:avLst/>
@@ -5178,8 +5186,8 @@
         </p:nvSpPr>
         <p:spPr>
           <a:xfrm>
-            <a:off x="10170150" y="10009782"/>
-            <a:ext cx="3240048" cy="574986"/>
+            <a:off x="10170150" y="10009783"/>
+            <a:ext cx="3240048" cy="574987"/>
           </a:xfrm>
           <a:prstGeom prst="rect">
             <a:avLst/>
@@ -5252,8 +5260,8 @@
         </p:nvSpPr>
         <p:spPr>
           <a:xfrm>
-            <a:off x="990015" y="574989"/>
-            <a:ext cx="12420184" cy="2087454"/>
+            <a:off x="990015" y="574990"/>
+            <a:ext cx="12420184" cy="2087455"/>
           </a:xfrm>
           <a:prstGeom prst="rect">
             <a:avLst/>
@@ -5358,8 +5366,8 @@
         </p:nvSpPr>
         <p:spPr>
           <a:xfrm>
-            <a:off x="990013" y="2874936"/>
-            <a:ext cx="6120090" cy="6852350"/>
+            <a:off x="990014" y="2874937"/>
+            <a:ext cx="6120091" cy="6852350"/>
           </a:xfrm>
           <a:prstGeom prst="rect">
             <a:avLst/>
@@ -5593,8 +5601,8 @@
         </p:nvSpPr>
         <p:spPr>
           <a:xfrm>
-            <a:off x="7290107" y="2874936"/>
-            <a:ext cx="6120090" cy="6852350"/>
+            <a:off x="7290108" y="2874937"/>
+            <a:ext cx="6120091" cy="6852350"/>
           </a:xfrm>
           <a:prstGeom prst="rect">
             <a:avLst/>
@@ -5828,8 +5836,8 @@
         </p:nvSpPr>
         <p:spPr>
           <a:xfrm>
-            <a:off x="990015" y="10009782"/>
-            <a:ext cx="3240048" cy="574986"/>
+            <a:off x="990015" y="10009783"/>
+            <a:ext cx="3240048" cy="574987"/>
           </a:xfrm>
           <a:prstGeom prst="rect">
             <a:avLst/>
@@ -5991,8 +5999,8 @@
         </p:nvSpPr>
         <p:spPr>
           <a:xfrm>
-            <a:off x="4770071" y="10009782"/>
-            <a:ext cx="4860071" cy="574986"/>
+            <a:off x="4770071" y="10009783"/>
+            <a:ext cx="4860072" cy="574987"/>
           </a:xfrm>
           <a:prstGeom prst="rect">
             <a:avLst/>
@@ -6154,8 +6162,8 @@
         </p:nvSpPr>
         <p:spPr>
           <a:xfrm>
-            <a:off x="10170150" y="10009782"/>
-            <a:ext cx="3240048" cy="574986"/>
+            <a:off x="10170150" y="10009783"/>
+            <a:ext cx="3240048" cy="574987"/>
           </a:xfrm>
           <a:prstGeom prst="rect">
             <a:avLst/>
@@ -6228,8 +6236,8 @@
         </p:nvSpPr>
         <p:spPr>
           <a:xfrm>
-            <a:off x="991890" y="574989"/>
-            <a:ext cx="12420184" cy="2087454"/>
+            <a:off x="991890" y="574990"/>
+            <a:ext cx="12420184" cy="2087455"/>
           </a:xfrm>
           <a:prstGeom prst="rect">
             <a:avLst/>
@@ -6334,8 +6342,8 @@
         </p:nvSpPr>
         <p:spPr>
           <a:xfrm>
-            <a:off x="991891" y="2647442"/>
-            <a:ext cx="6091964" cy="1297470"/>
+            <a:off x="991892" y="2647443"/>
+            <a:ext cx="6091964" cy="1297471"/>
           </a:xfrm>
           <a:prstGeom prst="rect">
             <a:avLst/>
@@ -6560,7 +6568,7 @@
         </p:nvSpPr>
         <p:spPr>
           <a:xfrm>
-            <a:off x="991891" y="3944914"/>
+            <a:off x="991892" y="3944914"/>
             <a:ext cx="6091964" cy="5802373"/>
           </a:xfrm>
           <a:prstGeom prst="rect">
@@ -6795,8 +6803,8 @@
         </p:nvSpPr>
         <p:spPr>
           <a:xfrm>
-            <a:off x="7290109" y="2647442"/>
-            <a:ext cx="6121966" cy="1297470"/>
+            <a:off x="7290109" y="2647443"/>
+            <a:ext cx="6121966" cy="1297471"/>
           </a:xfrm>
           <a:prstGeom prst="rect">
             <a:avLst/>
@@ -7256,8 +7264,8 @@
         </p:nvSpPr>
         <p:spPr>
           <a:xfrm>
-            <a:off x="990015" y="10009782"/>
-            <a:ext cx="3240048" cy="574986"/>
+            <a:off x="990015" y="10009783"/>
+            <a:ext cx="3240048" cy="574987"/>
           </a:xfrm>
           <a:prstGeom prst="rect">
             <a:avLst/>
@@ -7419,8 +7427,8 @@
         </p:nvSpPr>
         <p:spPr>
           <a:xfrm>
-            <a:off x="4770071" y="10009782"/>
-            <a:ext cx="4860071" cy="574986"/>
+            <a:off x="4770071" y="10009783"/>
+            <a:ext cx="4860072" cy="574987"/>
           </a:xfrm>
           <a:prstGeom prst="rect">
             <a:avLst/>
@@ -7582,8 +7590,8 @@
         </p:nvSpPr>
         <p:spPr>
           <a:xfrm>
-            <a:off x="10170150" y="10009782"/>
-            <a:ext cx="3240048" cy="574986"/>
+            <a:off x="10170150" y="10009783"/>
+            <a:ext cx="3240048" cy="574987"/>
           </a:xfrm>
           <a:prstGeom prst="rect">
             <a:avLst/>
@@ -7656,8 +7664,8 @@
         </p:nvSpPr>
         <p:spPr>
           <a:xfrm>
-            <a:off x="990015" y="574989"/>
-            <a:ext cx="12420184" cy="2087454"/>
+            <a:off x="990015" y="574990"/>
+            <a:ext cx="12420184" cy="2087455"/>
           </a:xfrm>
           <a:prstGeom prst="rect">
             <a:avLst/>
@@ -7762,8 +7770,8 @@
         </p:nvSpPr>
         <p:spPr>
           <a:xfrm>
-            <a:off x="990015" y="10009782"/>
-            <a:ext cx="3240048" cy="574986"/>
+            <a:off x="990015" y="10009783"/>
+            <a:ext cx="3240048" cy="574987"/>
           </a:xfrm>
           <a:prstGeom prst="rect">
             <a:avLst/>
@@ -7925,8 +7933,8 @@
         </p:nvSpPr>
         <p:spPr>
           <a:xfrm>
-            <a:off x="4770071" y="10009782"/>
-            <a:ext cx="4860071" cy="574986"/>
+            <a:off x="4770071" y="10009783"/>
+            <a:ext cx="4860072" cy="574987"/>
           </a:xfrm>
           <a:prstGeom prst="rect">
             <a:avLst/>
@@ -8088,8 +8096,8 @@
         </p:nvSpPr>
         <p:spPr>
           <a:xfrm>
-            <a:off x="10170150" y="10009782"/>
-            <a:ext cx="3240048" cy="574986"/>
+            <a:off x="10170150" y="10009783"/>
+            <a:ext cx="3240048" cy="574987"/>
           </a:xfrm>
           <a:prstGeom prst="rect">
             <a:avLst/>
@@ -8162,8 +8170,8 @@
         </p:nvSpPr>
         <p:spPr>
           <a:xfrm>
-            <a:off x="990015" y="10009782"/>
-            <a:ext cx="3240048" cy="574986"/>
+            <a:off x="990015" y="10009783"/>
+            <a:ext cx="3240048" cy="574987"/>
           </a:xfrm>
           <a:prstGeom prst="rect">
             <a:avLst/>
@@ -8325,8 +8333,8 @@
         </p:nvSpPr>
         <p:spPr>
           <a:xfrm>
-            <a:off x="4770071" y="10009782"/>
-            <a:ext cx="4860071" cy="574986"/>
+            <a:off x="4770071" y="10009783"/>
+            <a:ext cx="4860072" cy="574987"/>
           </a:xfrm>
           <a:prstGeom prst="rect">
             <a:avLst/>
@@ -8488,8 +8496,8 @@
         </p:nvSpPr>
         <p:spPr>
           <a:xfrm>
-            <a:off x="10170150" y="10009782"/>
-            <a:ext cx="3240048" cy="574986"/>
+            <a:off x="10170150" y="10009783"/>
+            <a:ext cx="3240048" cy="574987"/>
           </a:xfrm>
           <a:prstGeom prst="rect">
             <a:avLst/>
@@ -8562,7 +8570,7 @@
         </p:nvSpPr>
         <p:spPr>
           <a:xfrm>
-            <a:off x="991890" y="719983"/>
+            <a:off x="991890" y="719984"/>
             <a:ext cx="4644444" cy="2519945"/>
           </a:xfrm>
           <a:prstGeom prst="rect">
@@ -8668,7 +8676,7 @@
         </p:nvSpPr>
         <p:spPr>
           <a:xfrm>
-            <a:off x="6121966" y="1554967"/>
+            <a:off x="6121966" y="1554968"/>
             <a:ext cx="7290108" cy="7674832"/>
           </a:xfrm>
           <a:prstGeom prst="rect">
@@ -8903,8 +8911,8 @@
         </p:nvSpPr>
         <p:spPr>
           <a:xfrm>
-            <a:off x="991890" y="3239928"/>
-            <a:ext cx="4644444" cy="6002368"/>
+            <a:off x="991890" y="3239929"/>
+            <a:ext cx="4644444" cy="6002369"/>
           </a:xfrm>
           <a:prstGeom prst="rect">
             <a:avLst/>
@@ -9129,8 +9137,8 @@
         </p:nvSpPr>
         <p:spPr>
           <a:xfrm>
-            <a:off x="990015" y="10009782"/>
-            <a:ext cx="3240048" cy="574986"/>
+            <a:off x="990015" y="10009783"/>
+            <a:ext cx="3240048" cy="574987"/>
           </a:xfrm>
           <a:prstGeom prst="rect">
             <a:avLst/>
@@ -9292,8 +9300,8 @@
         </p:nvSpPr>
         <p:spPr>
           <a:xfrm>
-            <a:off x="4770071" y="10009782"/>
-            <a:ext cx="4860071" cy="574986"/>
+            <a:off x="4770071" y="10009783"/>
+            <a:ext cx="4860072" cy="574987"/>
           </a:xfrm>
           <a:prstGeom prst="rect">
             <a:avLst/>
@@ -9455,8 +9463,8 @@
         </p:nvSpPr>
         <p:spPr>
           <a:xfrm>
-            <a:off x="10170150" y="10009782"/>
-            <a:ext cx="3240048" cy="574986"/>
+            <a:off x="10170150" y="10009783"/>
+            <a:ext cx="3240048" cy="574987"/>
           </a:xfrm>
           <a:prstGeom prst="rect">
             <a:avLst/>
@@ -9529,7 +9537,7 @@
         </p:nvSpPr>
         <p:spPr>
           <a:xfrm>
-            <a:off x="991890" y="719983"/>
+            <a:off x="991890" y="719984"/>
             <a:ext cx="4644444" cy="2519945"/>
           </a:xfrm>
           <a:prstGeom prst="rect">
@@ -9635,7 +9643,7 @@
         </p:nvSpPr>
         <p:spPr>
           <a:xfrm>
-            <a:off x="6121966" y="1554967"/>
+            <a:off x="6121966" y="1554968"/>
             <a:ext cx="7290108" cy="7674832"/>
           </a:xfrm>
           <a:prstGeom prst="rect">
@@ -9861,8 +9869,8 @@
         </p:nvSpPr>
         <p:spPr>
           <a:xfrm>
-            <a:off x="991890" y="3239928"/>
-            <a:ext cx="4644444" cy="6002368"/>
+            <a:off x="991890" y="3239929"/>
+            <a:ext cx="4644444" cy="6002369"/>
           </a:xfrm>
           <a:prstGeom prst="rect">
             <a:avLst/>
@@ -10087,8 +10095,8 @@
         </p:nvSpPr>
         <p:spPr>
           <a:xfrm>
-            <a:off x="990015" y="10009782"/>
-            <a:ext cx="3240048" cy="574986"/>
+            <a:off x="990015" y="10009783"/>
+            <a:ext cx="3240048" cy="574987"/>
           </a:xfrm>
           <a:prstGeom prst="rect">
             <a:avLst/>
@@ -10250,8 +10258,8 @@
         </p:nvSpPr>
         <p:spPr>
           <a:xfrm>
-            <a:off x="4770071" y="10009782"/>
-            <a:ext cx="4860071" cy="574986"/>
+            <a:off x="4770071" y="10009783"/>
+            <a:ext cx="4860072" cy="574987"/>
           </a:xfrm>
           <a:prstGeom prst="rect">
             <a:avLst/>
@@ -10413,8 +10421,8 @@
         </p:nvSpPr>
         <p:spPr>
           <a:xfrm>
-            <a:off x="10170150" y="10009782"/>
-            <a:ext cx="3240048" cy="574986"/>
+            <a:off x="10170150" y="10009783"/>
+            <a:ext cx="3240048" cy="574987"/>
           </a:xfrm>
           <a:prstGeom prst="rect">
             <a:avLst/>
@@ -10494,8 +10502,8 @@
         </p:nvSpPr>
         <p:spPr>
           <a:xfrm>
-            <a:off x="990015" y="574989"/>
-            <a:ext cx="12420184" cy="2087454"/>
+            <a:off x="990015" y="574990"/>
+            <a:ext cx="12420184" cy="2087455"/>
           </a:xfrm>
           <a:prstGeom prst="rect">
             <a:avLst/>
@@ -10600,7 +10608,7 @@
         </p:nvSpPr>
         <p:spPr>
           <a:xfrm>
-            <a:off x="990015" y="2874936"/>
+            <a:off x="990015" y="2874937"/>
             <a:ext cx="12420184" cy="6852350"/>
           </a:xfrm>
           <a:prstGeom prst="rect">
@@ -10835,8 +10843,8 @@
         </p:nvSpPr>
         <p:spPr>
           <a:xfrm>
-            <a:off x="990015" y="10009782"/>
-            <a:ext cx="3240048" cy="574986"/>
+            <a:off x="990015" y="10009783"/>
+            <a:ext cx="3240048" cy="574987"/>
           </a:xfrm>
           <a:prstGeom prst="rect">
             <a:avLst/>
@@ -10998,8 +11006,8 @@
         </p:nvSpPr>
         <p:spPr>
           <a:xfrm>
-            <a:off x="4770071" y="10009782"/>
-            <a:ext cx="4860071" cy="574986"/>
+            <a:off x="4770071" y="10009783"/>
+            <a:ext cx="4860072" cy="574987"/>
           </a:xfrm>
           <a:prstGeom prst="rect">
             <a:avLst/>
@@ -11161,8 +11169,8 @@
         </p:nvSpPr>
         <p:spPr>
           <a:xfrm>
-            <a:off x="10170150" y="10009782"/>
-            <a:ext cx="3240048" cy="574986"/>
+            <a:off x="10170150" y="10009783"/>
+            <a:ext cx="3240048" cy="574987"/>
           </a:xfrm>
           <a:prstGeom prst="rect">
             <a:avLst/>
@@ -11216,7 +11224,7 @@
         <p:spPr>
           <a:xfrm>
             <a:off x="-2893" y="9899274"/>
-            <a:ext cx="14405998" cy="901207"/>
+            <a:ext cx="14405999" cy="901207"/>
           </a:xfrm>
           <a:prstGeom prst="rect">
             <a:avLst/>
@@ -11714,7 +11722,7 @@
         </p:nvSpPr>
         <p:spPr>
           <a:xfrm>
-            <a:off x="1080016" y="1767461"/>
+            <a:off x="1080016" y="1767462"/>
             <a:ext cx="12240181" cy="3759917"/>
           </a:xfrm>
           <a:prstGeom prst="rect">
@@ -11747,7 +11755,7 @@
             </a:pPr>
             <a:r>
               <a:rPr lang="en-US"/>
-              <a:t>​ Estadísticas y Probabilidades para Machine Learning</a:t>
+              <a:t>​ DESARROLLO DE APLICACIONES BIG DATA CON R  - 1RA SESION</a:t>
             </a:r>
           </a:p>
         </p:txBody>
@@ -11762,8 +11770,8 @@
         </p:nvSpPr>
         <p:spPr>
           <a:xfrm>
-            <a:off x="1800026" y="5672376"/>
-            <a:ext cx="10800159" cy="2607442"/>
+            <a:off x="1800027" y="5672376"/>
+            <a:ext cx="10800160" cy="2607442"/>
           </a:xfrm>
           <a:prstGeom prst="rect">
             <a:avLst/>
@@ -11835,7 +11843,7 @@
         </p:nvSpPr>
         <p:spPr>
           <a:xfrm>
-            <a:off x="990015" y="574989"/>
+            <a:off x="990015" y="574990"/>
             <a:ext cx="12420300" cy="2087400"/>
           </a:xfrm>
           <a:prstGeom prst="rect">
@@ -11871,7 +11879,7 @@
         </p:nvSpPr>
         <p:spPr>
           <a:xfrm>
-            <a:off x="990015" y="2874936"/>
+            <a:off x="990015" y="2874937"/>
             <a:ext cx="12420300" cy="6852300"/>
           </a:xfrm>
           <a:prstGeom prst="rect">
@@ -11964,7 +11972,7 @@
         </p:nvSpPr>
         <p:spPr>
           <a:xfrm>
-            <a:off x="990015" y="574989"/>
+            <a:off x="990015" y="574990"/>
             <a:ext cx="12420300" cy="2087400"/>
           </a:xfrm>
           <a:prstGeom prst="rect">
@@ -12006,8 +12014,8 @@
         </p:blipFill>
         <p:spPr>
           <a:xfrm>
-            <a:off x="0" y="2867524"/>
-            <a:ext cx="14400198" cy="4712793"/>
+            <a:off x="0" y="2867525"/>
+            <a:ext cx="14400199" cy="4712794"/>
           </a:xfrm>
           <a:prstGeom prst="rect">
             <a:avLst/>
@@ -12053,7 +12061,7 @@
         </p:nvSpPr>
         <p:spPr>
           <a:xfrm>
-            <a:off x="990015" y="574989"/>
+            <a:off x="990015" y="574990"/>
             <a:ext cx="12420300" cy="2087400"/>
           </a:xfrm>
           <a:prstGeom prst="rect">
@@ -12093,7 +12101,7 @@
         </p:nvSpPr>
         <p:spPr>
           <a:xfrm>
-            <a:off x="990015" y="2874936"/>
+            <a:off x="990015" y="2874937"/>
             <a:ext cx="12420300" cy="6852300"/>
           </a:xfrm>
           <a:prstGeom prst="rect">
@@ -12202,7 +12210,7 @@
         </p:nvSpPr>
         <p:spPr>
           <a:xfrm>
-            <a:off x="990015" y="574989"/>
+            <a:off x="990015" y="574990"/>
             <a:ext cx="12420300" cy="2087400"/>
           </a:xfrm>
           <a:prstGeom prst="rect">
@@ -12242,7 +12250,7 @@
         </p:nvSpPr>
         <p:spPr>
           <a:xfrm>
-            <a:off x="990015" y="2874936"/>
+            <a:off x="990015" y="2874937"/>
             <a:ext cx="12420300" cy="6852300"/>
           </a:xfrm>
           <a:prstGeom prst="rect">
@@ -12364,7 +12372,7 @@
         </p:nvSpPr>
         <p:spPr>
           <a:xfrm>
-            <a:off x="990015" y="574989"/>
+            <a:off x="990015" y="574990"/>
             <a:ext cx="12420300" cy="2087400"/>
           </a:xfrm>
           <a:prstGeom prst="rect">
@@ -12400,7 +12408,7 @@
         </p:nvSpPr>
         <p:spPr>
           <a:xfrm>
-            <a:off x="990015" y="2874936"/>
+            <a:off x="990015" y="2874937"/>
             <a:ext cx="12420300" cy="6852300"/>
           </a:xfrm>
           <a:prstGeom prst="rect">
@@ -12471,7 +12479,7 @@
         </p:nvSpPr>
         <p:spPr>
           <a:xfrm>
-            <a:off x="990015" y="574989"/>
+            <a:off x="990015" y="574990"/>
             <a:ext cx="12420300" cy="2087400"/>
           </a:xfrm>
           <a:prstGeom prst="rect">
@@ -12507,7 +12515,7 @@
         </p:nvSpPr>
         <p:spPr>
           <a:xfrm>
-            <a:off x="990015" y="2874936"/>
+            <a:off x="990015" y="2874937"/>
             <a:ext cx="12420300" cy="6852300"/>
           </a:xfrm>
           <a:prstGeom prst="rect">
@@ -12597,7 +12605,7 @@
         </p:nvSpPr>
         <p:spPr>
           <a:xfrm>
-            <a:off x="990015" y="574989"/>
+            <a:off x="990015" y="574990"/>
             <a:ext cx="12420300" cy="2087400"/>
           </a:xfrm>
           <a:prstGeom prst="rect">
@@ -12633,7 +12641,7 @@
         </p:nvSpPr>
         <p:spPr>
           <a:xfrm>
-            <a:off x="990015" y="2874936"/>
+            <a:off x="990015" y="2874937"/>
             <a:ext cx="12420300" cy="6852300"/>
           </a:xfrm>
           <a:prstGeom prst="rect">
@@ -12838,7 +12846,7 @@
         </p:nvSpPr>
         <p:spPr>
           <a:xfrm>
-            <a:off x="990015" y="574989"/>
+            <a:off x="990015" y="574990"/>
             <a:ext cx="12420300" cy="2087400"/>
           </a:xfrm>
           <a:prstGeom prst="rect">
@@ -12882,7 +12890,7 @@
         </p:nvSpPr>
         <p:spPr>
           <a:xfrm>
-            <a:off x="990015" y="2874936"/>
+            <a:off x="990015" y="2874937"/>
             <a:ext cx="12420300" cy="6852300"/>
           </a:xfrm>
           <a:prstGeom prst="rect">
@@ -13051,7 +13059,7 @@
         </p:nvSpPr>
         <p:spPr>
           <a:xfrm>
-            <a:off x="990015" y="574989"/>
+            <a:off x="990015" y="574990"/>
             <a:ext cx="12420300" cy="2087400"/>
           </a:xfrm>
           <a:prstGeom prst="rect">
@@ -13087,7 +13095,7 @@
         </p:nvSpPr>
         <p:spPr>
           <a:xfrm>
-            <a:off x="990015" y="2874936"/>
+            <a:off x="990015" y="2874937"/>
             <a:ext cx="12420300" cy="6852300"/>
           </a:xfrm>
           <a:prstGeom prst="rect">
@@ -13260,7 +13268,7 @@
         </p:nvSpPr>
         <p:spPr>
           <a:xfrm>
-            <a:off x="990015" y="574989"/>
+            <a:off x="990015" y="574990"/>
             <a:ext cx="12420300" cy="2087400"/>
           </a:xfrm>
           <a:prstGeom prst="rect">
@@ -13296,7 +13304,7 @@
         </p:nvSpPr>
         <p:spPr>
           <a:xfrm>
-            <a:off x="990015" y="2874936"/>
+            <a:off x="990015" y="2874937"/>
             <a:ext cx="12420300" cy="6852300"/>
           </a:xfrm>
           <a:prstGeom prst="rect">
@@ -13339,7 +13347,7 @@
         <p:spPr>
           <a:xfrm>
             <a:off x="0" y="524022"/>
-            <a:ext cx="14400200" cy="6449617"/>
+            <a:ext cx="14400200" cy="6449618"/>
           </a:xfrm>
           <a:prstGeom prst="rect">
             <a:avLst/>
@@ -13385,7 +13393,7 @@
         </p:nvSpPr>
         <p:spPr>
           <a:xfrm>
-            <a:off x="990015" y="574989"/>
+            <a:off x="990015" y="574990"/>
             <a:ext cx="12420300" cy="2087400"/>
           </a:xfrm>
           <a:prstGeom prst="rect">
@@ -13421,7 +13429,7 @@
         </p:nvSpPr>
         <p:spPr>
           <a:xfrm>
-            <a:off x="990015" y="2874936"/>
+            <a:off x="990015" y="2874937"/>
             <a:ext cx="12420300" cy="6852300"/>
           </a:xfrm>
           <a:prstGeom prst="rect">
@@ -13526,6 +13534,285 @@
 </file>
 
 <file path=ppt/theme/theme1.xml><?xml version="1.0" encoding="utf-8"?>
+<a:theme xmlns:a="http://schemas.openxmlformats.org/drawingml/2006/main" xmlns:r="http://schemas.openxmlformats.org/officeDocument/2006/relationships" name="Custom Theme">
+  <a:themeElements>
+    <a:clrScheme name="Default">
+      <a:dk1>
+        <a:srgbClr val="000000"/>
+      </a:dk1>
+      <a:lt1>
+        <a:srgbClr val="FFFFFF"/>
+      </a:lt1>
+      <a:dk2>
+        <a:srgbClr val="158158"/>
+      </a:dk2>
+      <a:lt2>
+        <a:srgbClr val="F3F3F3"/>
+      </a:lt2>
+      <a:accent1>
+        <a:srgbClr val="058DC7"/>
+      </a:accent1>
+      <a:accent2>
+        <a:srgbClr val="50B432"/>
+      </a:accent2>
+      <a:accent3>
+        <a:srgbClr val="ED561B"/>
+      </a:accent3>
+      <a:accent4>
+        <a:srgbClr val="EDEF00"/>
+      </a:accent4>
+      <a:accent5>
+        <a:srgbClr val="24CBE5"/>
+      </a:accent5>
+      <a:accent6>
+        <a:srgbClr val="64E572"/>
+      </a:accent6>
+      <a:hlink>
+        <a:srgbClr val="2200CC"/>
+      </a:hlink>
+      <a:folHlink>
+        <a:srgbClr val="551A8B"/>
+      </a:folHlink>
+    </a:clrScheme>
+    <a:fontScheme name="Office">
+      <a:majorFont>
+        <a:latin typeface="Arial"/>
+        <a:ea typeface=""/>
+        <a:cs typeface=""/>
+        <a:font script="Jpan" typeface="ＭＳ Ｐゴシック"/>
+        <a:font script="Hang" typeface="맑은 고딕"/>
+        <a:font script="Hans" typeface="宋体"/>
+        <a:font script="Hant" typeface="新細明體"/>
+        <a:font script="Arab" typeface="Times New Roman"/>
+        <a:font script="Hebr" typeface="Times New Roman"/>
+        <a:font script="Thai" typeface="Angsana New"/>
+        <a:font script="Ethi" typeface="Nyala"/>
+        <a:font script="Beng" typeface="Vrinda"/>
+        <a:font script="Gujr" typeface="Shruti"/>
+        <a:font script="Khmr" typeface="MoolBoran"/>
+        <a:font script="Knda" typeface="Tunga"/>
+        <a:font script="Guru" typeface="Raavi"/>
+        <a:font script="Cans" typeface="Euphemia"/>
+        <a:font script="Cher" typeface="Plantagenet Cherokee"/>
+        <a:font script="Yiii" typeface="Microsoft Yi Baiti"/>
+        <a:font script="Tibt" typeface="Microsoft Himalaya"/>
+        <a:font script="Thaa" typeface="MV Boli"/>
+        <a:font script="Deva" typeface="Mangal"/>
+        <a:font script="Telu" typeface="Gautami"/>
+        <a:font script="Taml" typeface="Latha"/>
+        <a:font script="Syrc" typeface="Estrangelo Edessa"/>
+        <a:font script="Orya" typeface="Kalinga"/>
+        <a:font script="Mlym" typeface="Kartika"/>
+        <a:font script="Laoo" typeface="DokChampa"/>
+        <a:font script="Sinh" typeface="Iskoola Pota"/>
+        <a:font script="Mong" typeface="Mongolian Baiti"/>
+        <a:font script="Viet" typeface="Times New Roman"/>
+        <a:font script="Uigh" typeface="Microsoft Uighur"/>
+        <a:font script="Geor" typeface="Sylfaen"/>
+      </a:majorFont>
+      <a:minorFont>
+        <a:latin typeface="Arial"/>
+        <a:ea typeface=""/>
+        <a:cs typeface=""/>
+        <a:font script="Jpan" typeface="ＭＳ Ｐゴシック"/>
+        <a:font script="Hang" typeface="맑은 고딕"/>
+        <a:font script="Hans" typeface="宋体"/>
+        <a:font script="Hant" typeface="新細明體"/>
+        <a:font script="Arab" typeface="Arial"/>
+        <a:font script="Hebr" typeface="Arial"/>
+        <a:font script="Thai" typeface="Cordia New"/>
+        <a:font script="Ethi" typeface="Nyala"/>
+        <a:font script="Beng" typeface="Vrinda"/>
+        <a:font script="Gujr" typeface="Shruti"/>
+        <a:font script="Khmr" typeface="DaunPenh"/>
+        <a:font script="Knda" typeface="Tunga"/>
+        <a:font script="Guru" typeface="Raavi"/>
+        <a:font script="Cans" typeface="Euphemia"/>
+        <a:font script="Cher" typeface="Plantagenet Cherokee"/>
+        <a:font script="Yiii" typeface="Microsoft Yi Baiti"/>
+        <a:font script="Tibt" typeface="Microsoft Himalaya"/>
+        <a:font script="Thaa" typeface="MV Boli"/>
+        <a:font script="Deva" typeface="Mangal"/>
+        <a:font script="Telu" typeface="Gautami"/>
+        <a:font script="Taml" typeface="Latha"/>
+        <a:font script="Syrc" typeface="Estrangelo Edessa"/>
+        <a:font script="Orya" typeface="Kalinga"/>
+        <a:font script="Mlym" typeface="Kartika"/>
+        <a:font script="Laoo" typeface="DokChampa"/>
+        <a:font script="Sinh" typeface="Iskoola Pota"/>
+        <a:font script="Mong" typeface="Mongolian Baiti"/>
+        <a:font script="Viet" typeface="Arial"/>
+        <a:font script="Uigh" typeface="Microsoft Uighur"/>
+        <a:font script="Geor" typeface="Sylfaen"/>
+      </a:minorFont>
+    </a:fontScheme>
+    <a:fmtScheme name="Office">
+      <a:fillStyleLst>
+        <a:solidFill>
+          <a:schemeClr val="phClr"/>
+        </a:solidFill>
+        <a:gradFill rotWithShape="1">
+          <a:gsLst>
+            <a:gs pos="0">
+              <a:schemeClr val="phClr">
+                <a:tint val="50000"/>
+                <a:satMod val="300000"/>
+              </a:schemeClr>
+            </a:gs>
+            <a:gs pos="35000">
+              <a:schemeClr val="phClr">
+                <a:tint val="37000"/>
+                <a:satMod val="300000"/>
+              </a:schemeClr>
+            </a:gs>
+            <a:gs pos="100000">
+              <a:schemeClr val="phClr">
+                <a:tint val="15000"/>
+                <a:satMod val="350000"/>
+              </a:schemeClr>
+            </a:gs>
+          </a:gsLst>
+          <a:lin ang="16200000" scaled="1"/>
+        </a:gradFill>
+        <a:gradFill rotWithShape="1">
+          <a:gsLst>
+            <a:gs pos="0">
+              <a:schemeClr val="phClr">
+                <a:tint val="100000"/>
+                <a:shade val="100000"/>
+                <a:satMod val="130000"/>
+              </a:schemeClr>
+            </a:gs>
+            <a:gs pos="100000">
+              <a:schemeClr val="phClr">
+                <a:tint val="50000"/>
+                <a:shade val="100000"/>
+                <a:satMod val="350000"/>
+              </a:schemeClr>
+            </a:gs>
+          </a:gsLst>
+          <a:lin ang="16200000" scaled="0"/>
+        </a:gradFill>
+      </a:fillStyleLst>
+      <a:lnStyleLst>
+        <a:ln w="9525" cap="flat" cmpd="sng" algn="ctr">
+          <a:solidFill>
+            <a:schemeClr val="phClr">
+              <a:shade val="95000"/>
+              <a:satMod val="105000"/>
+            </a:schemeClr>
+          </a:solidFill>
+          <a:prstDash val="solid"/>
+        </a:ln>
+        <a:ln w="25400" cap="flat" cmpd="sng" algn="ctr">
+          <a:solidFill>
+            <a:schemeClr val="phClr"/>
+          </a:solidFill>
+          <a:prstDash val="solid"/>
+        </a:ln>
+        <a:ln w="38100" cap="flat" cmpd="sng" algn="ctr">
+          <a:solidFill>
+            <a:schemeClr val="phClr"/>
+          </a:solidFill>
+          <a:prstDash val="solid"/>
+        </a:ln>
+      </a:lnStyleLst>
+      <a:effectStyleLst>
+        <a:effectStyle>
+          <a:effectLst>
+            <a:outerShdw blurRad="40000" dist="20000" dir="5400000" rotWithShape="0">
+              <a:srgbClr val="000000">
+                <a:alpha val="38000"/>
+              </a:srgbClr>
+            </a:outerShdw>
+          </a:effectLst>
+        </a:effectStyle>
+        <a:effectStyle>
+          <a:effectLst>
+            <a:outerShdw blurRad="40000" dist="23000" dir="5400000" rotWithShape="0">
+              <a:srgbClr val="000000">
+                <a:alpha val="35000"/>
+              </a:srgbClr>
+            </a:outerShdw>
+          </a:effectLst>
+        </a:effectStyle>
+        <a:effectStyle>
+          <a:effectLst>
+            <a:outerShdw blurRad="40000" dist="23000" dir="5400000" rotWithShape="0">
+              <a:srgbClr val="000000">
+                <a:alpha val="35000"/>
+              </a:srgbClr>
+            </a:outerShdw>
+          </a:effectLst>
+          <a:scene3d>
+            <a:camera prst="orthographicFront">
+              <a:rot lat="0" lon="0" rev="0"/>
+            </a:camera>
+            <a:lightRig rig="threePt" dir="t">
+              <a:rot lat="0" lon="0" rev="1200000"/>
+            </a:lightRig>
+          </a:scene3d>
+          <a:sp3d>
+            <a:bevelT w="63500" h="25400"/>
+          </a:sp3d>
+        </a:effectStyle>
+      </a:effectStyleLst>
+      <a:bgFillStyleLst>
+        <a:solidFill>
+          <a:schemeClr val="phClr"/>
+        </a:solidFill>
+        <a:gradFill rotWithShape="1">
+          <a:gsLst>
+            <a:gs pos="0">
+              <a:schemeClr val="phClr">
+                <a:tint val="40000"/>
+                <a:satMod val="350000"/>
+              </a:schemeClr>
+            </a:gs>
+            <a:gs pos="40000">
+              <a:schemeClr val="phClr">
+                <a:tint val="45000"/>
+                <a:shade val="99000"/>
+                <a:satMod val="350000"/>
+              </a:schemeClr>
+            </a:gs>
+            <a:gs pos="100000">
+              <a:schemeClr val="phClr">
+                <a:shade val="20000"/>
+                <a:satMod val="255000"/>
+              </a:schemeClr>
+            </a:gs>
+          </a:gsLst>
+          <a:path path="circle">
+            <a:fillToRect l="50000" t="-80000" r="50000" b="180000"/>
+          </a:path>
+        </a:gradFill>
+        <a:gradFill rotWithShape="1">
+          <a:gsLst>
+            <a:gs pos="0">
+              <a:schemeClr val="phClr">
+                <a:tint val="80000"/>
+                <a:satMod val="300000"/>
+              </a:schemeClr>
+            </a:gs>
+            <a:gs pos="100000">
+              <a:schemeClr val="phClr">
+                <a:shade val="30000"/>
+                <a:satMod val="200000"/>
+              </a:schemeClr>
+            </a:gs>
+          </a:gsLst>
+          <a:path path="circle">
+            <a:fillToRect l="50000" t="50000" r="50000" b="50000"/>
+          </a:path>
+        </a:gradFill>
+      </a:bgFillStyleLst>
+    </a:fmtScheme>
+  </a:themeElements>
+</a:theme>
+</file>
+
+<file path=ppt/theme/theme2.xml><?xml version="1.0" encoding="utf-8"?>
 <a:theme xmlns:a="http://schemas.openxmlformats.org/drawingml/2006/main" xmlns:r="http://schemas.openxmlformats.org/officeDocument/2006/relationships" name="Tema BSGRUPO">
   <a:themeElements>
     <a:clrScheme name="Tema de Office">
@@ -13802,283 +14089,4 @@
     </a:fmtScheme>
   </a:themeElements>
 </a:theme>
-</file>
-
-<file path=ppt/theme/theme2.xml><?xml version="1.0" encoding="utf-8"?>
-<a:theme xmlns:a="http://schemas.openxmlformats.org/drawingml/2006/main" xmlns:r="http://schemas.openxmlformats.org/officeDocument/2006/relationships" name="Custom Theme">
-  <a:themeElements>
-    <a:clrScheme name="Default">
-      <a:dk1>
-        <a:srgbClr val="000000"/>
-      </a:dk1>
-      <a:lt1>
-        <a:srgbClr val="FFFFFF"/>
-      </a:lt1>
-      <a:dk2>
-        <a:srgbClr val="158158"/>
-      </a:dk2>
-      <a:lt2>
-        <a:srgbClr val="F3F3F3"/>
-      </a:lt2>
-      <a:accent1>
-        <a:srgbClr val="058DC7"/>
-      </a:accent1>
-      <a:accent2>
-        <a:srgbClr val="50B432"/>
-      </a:accent2>
-      <a:accent3>
-        <a:srgbClr val="ED561B"/>
-      </a:accent3>
-      <a:accent4>
-        <a:srgbClr val="EDEF00"/>
-      </a:accent4>
-      <a:accent5>
-        <a:srgbClr val="24CBE5"/>
-      </a:accent5>
-      <a:accent6>
-        <a:srgbClr val="64E572"/>
-      </a:accent6>
-      <a:hlink>
-        <a:srgbClr val="2200CC"/>
-      </a:hlink>
-      <a:folHlink>
-        <a:srgbClr val="551A8B"/>
-      </a:folHlink>
-    </a:clrScheme>
-    <a:fontScheme name="Office">
-      <a:majorFont>
-        <a:latin typeface="Arial"/>
-        <a:ea typeface=""/>
-        <a:cs typeface=""/>
-        <a:font script="Jpan" typeface="ＭＳ Ｐゴシック"/>
-        <a:font script="Hang" typeface="맑은 고딕"/>
-        <a:font script="Hans" typeface="宋体"/>
-        <a:font script="Hant" typeface="新細明體"/>
-        <a:font script="Arab" typeface="Times New Roman"/>
-        <a:font script="Hebr" typeface="Times New Roman"/>
-        <a:font script="Thai" typeface="Angsana New"/>
-        <a:font script="Ethi" typeface="Nyala"/>
-        <a:font script="Beng" typeface="Vrinda"/>
-        <a:font script="Gujr" typeface="Shruti"/>
-        <a:font script="Khmr" typeface="MoolBoran"/>
-        <a:font script="Knda" typeface="Tunga"/>
-        <a:font script="Guru" typeface="Raavi"/>
-        <a:font script="Cans" typeface="Euphemia"/>
-        <a:font script="Cher" typeface="Plantagenet Cherokee"/>
-        <a:font script="Yiii" typeface="Microsoft Yi Baiti"/>
-        <a:font script="Tibt" typeface="Microsoft Himalaya"/>
-        <a:font script="Thaa" typeface="MV Boli"/>
-        <a:font script="Deva" typeface="Mangal"/>
-        <a:font script="Telu" typeface="Gautami"/>
-        <a:font script="Taml" typeface="Latha"/>
-        <a:font script="Syrc" typeface="Estrangelo Edessa"/>
-        <a:font script="Orya" typeface="Kalinga"/>
-        <a:font script="Mlym" typeface="Kartika"/>
-        <a:font script="Laoo" typeface="DokChampa"/>
-        <a:font script="Sinh" typeface="Iskoola Pota"/>
-        <a:font script="Mong" typeface="Mongolian Baiti"/>
-        <a:font script="Viet" typeface="Times New Roman"/>
-        <a:font script="Uigh" typeface="Microsoft Uighur"/>
-        <a:font script="Geor" typeface="Sylfaen"/>
-      </a:majorFont>
-      <a:minorFont>
-        <a:latin typeface="Arial"/>
-        <a:ea typeface=""/>
-        <a:cs typeface=""/>
-        <a:font script="Jpan" typeface="ＭＳ Ｐゴシック"/>
-        <a:font script="Hang" typeface="맑은 고딕"/>
-        <a:font script="Hans" typeface="宋体"/>
-        <a:font script="Hant" typeface="新細明體"/>
-        <a:font script="Arab" typeface="Arial"/>
-        <a:font script="Hebr" typeface="Arial"/>
-        <a:font script="Thai" typeface="Cordia New"/>
-        <a:font script="Ethi" typeface="Nyala"/>
-        <a:font script="Beng" typeface="Vrinda"/>
-        <a:font script="Gujr" typeface="Shruti"/>
-        <a:font script="Khmr" typeface="DaunPenh"/>
-        <a:font script="Knda" typeface="Tunga"/>
-        <a:font script="Guru" typeface="Raavi"/>
-        <a:font script="Cans" typeface="Euphemia"/>
-        <a:font script="Cher" typeface="Plantagenet Cherokee"/>
-        <a:font script="Yiii" typeface="Microsoft Yi Baiti"/>
-        <a:font script="Tibt" typeface="Microsoft Himalaya"/>
-        <a:font script="Thaa" typeface="MV Boli"/>
-        <a:font script="Deva" typeface="Mangal"/>
-        <a:font script="Telu" typeface="Gautami"/>
-        <a:font script="Taml" typeface="Latha"/>
-        <a:font script="Syrc" typeface="Estrangelo Edessa"/>
-        <a:font script="Orya" typeface="Kalinga"/>
-        <a:font script="Mlym" typeface="Kartika"/>
-        <a:font script="Laoo" typeface="DokChampa"/>
-        <a:font script="Sinh" typeface="Iskoola Pota"/>
-        <a:font script="Mong" typeface="Mongolian Baiti"/>
-        <a:font script="Viet" typeface="Arial"/>
-        <a:font script="Uigh" typeface="Microsoft Uighur"/>
-        <a:font script="Geor" typeface="Sylfaen"/>
-      </a:minorFont>
-    </a:fontScheme>
-    <a:fmtScheme name="Office">
-      <a:fillStyleLst>
-        <a:solidFill>
-          <a:schemeClr val="phClr"/>
-        </a:solidFill>
-        <a:gradFill rotWithShape="1">
-          <a:gsLst>
-            <a:gs pos="0">
-              <a:schemeClr val="phClr">
-                <a:tint val="50000"/>
-                <a:satMod val="300000"/>
-              </a:schemeClr>
-            </a:gs>
-            <a:gs pos="35000">
-              <a:schemeClr val="phClr">
-                <a:tint val="37000"/>
-                <a:satMod val="300000"/>
-              </a:schemeClr>
-            </a:gs>
-            <a:gs pos="100000">
-              <a:schemeClr val="phClr">
-                <a:tint val="15000"/>
-                <a:satMod val="350000"/>
-              </a:schemeClr>
-            </a:gs>
-          </a:gsLst>
-          <a:lin ang="16200000" scaled="1"/>
-        </a:gradFill>
-        <a:gradFill rotWithShape="1">
-          <a:gsLst>
-            <a:gs pos="0">
-              <a:schemeClr val="phClr">
-                <a:tint val="100000"/>
-                <a:shade val="100000"/>
-                <a:satMod val="130000"/>
-              </a:schemeClr>
-            </a:gs>
-            <a:gs pos="100000">
-              <a:schemeClr val="phClr">
-                <a:tint val="50000"/>
-                <a:shade val="100000"/>
-                <a:satMod val="350000"/>
-              </a:schemeClr>
-            </a:gs>
-          </a:gsLst>
-          <a:lin ang="16200000" scaled="0"/>
-        </a:gradFill>
-      </a:fillStyleLst>
-      <a:lnStyleLst>
-        <a:ln w="9525" cap="flat" cmpd="sng" algn="ctr">
-          <a:solidFill>
-            <a:schemeClr val="phClr">
-              <a:shade val="95000"/>
-              <a:satMod val="105000"/>
-            </a:schemeClr>
-          </a:solidFill>
-          <a:prstDash val="solid"/>
-        </a:ln>
-        <a:ln w="25400" cap="flat" cmpd="sng" algn="ctr">
-          <a:solidFill>
-            <a:schemeClr val="phClr"/>
-          </a:solidFill>
-          <a:prstDash val="solid"/>
-        </a:ln>
-        <a:ln w="38100" cap="flat" cmpd="sng" algn="ctr">
-          <a:solidFill>
-            <a:schemeClr val="phClr"/>
-          </a:solidFill>
-          <a:prstDash val="solid"/>
-        </a:ln>
-      </a:lnStyleLst>
-      <a:effectStyleLst>
-        <a:effectStyle>
-          <a:effectLst>
-            <a:outerShdw blurRad="40000" dist="20000" dir="5400000" rotWithShape="0">
-              <a:srgbClr val="000000">
-                <a:alpha val="38000"/>
-              </a:srgbClr>
-            </a:outerShdw>
-          </a:effectLst>
-        </a:effectStyle>
-        <a:effectStyle>
-          <a:effectLst>
-            <a:outerShdw blurRad="40000" dist="23000" dir="5400000" rotWithShape="0">
-              <a:srgbClr val="000000">
-                <a:alpha val="35000"/>
-              </a:srgbClr>
-            </a:outerShdw>
-          </a:effectLst>
-        </a:effectStyle>
-        <a:effectStyle>
-          <a:effectLst>
-            <a:outerShdw blurRad="40000" dist="23000" dir="5400000" rotWithShape="0">
-              <a:srgbClr val="000000">
-                <a:alpha val="35000"/>
-              </a:srgbClr>
-            </a:outerShdw>
-          </a:effectLst>
-          <a:scene3d>
-            <a:camera prst="orthographicFront">
-              <a:rot lat="0" lon="0" rev="0"/>
-            </a:camera>
-            <a:lightRig rig="threePt" dir="t">
-              <a:rot lat="0" lon="0" rev="1200000"/>
-            </a:lightRig>
-          </a:scene3d>
-          <a:sp3d>
-            <a:bevelT w="63500" h="25400"/>
-          </a:sp3d>
-        </a:effectStyle>
-      </a:effectStyleLst>
-      <a:bgFillStyleLst>
-        <a:solidFill>
-          <a:schemeClr val="phClr"/>
-        </a:solidFill>
-        <a:gradFill rotWithShape="1">
-          <a:gsLst>
-            <a:gs pos="0">
-              <a:schemeClr val="phClr">
-                <a:tint val="40000"/>
-                <a:satMod val="350000"/>
-              </a:schemeClr>
-            </a:gs>
-            <a:gs pos="40000">
-              <a:schemeClr val="phClr">
-                <a:tint val="45000"/>
-                <a:shade val="99000"/>
-                <a:satMod val="350000"/>
-              </a:schemeClr>
-            </a:gs>
-            <a:gs pos="100000">
-              <a:schemeClr val="phClr">
-                <a:shade val="20000"/>
-                <a:satMod val="255000"/>
-              </a:schemeClr>
-            </a:gs>
-          </a:gsLst>
-          <a:path path="circle">
-            <a:fillToRect l="50000" t="-80000" r="50000" b="180000"/>
-          </a:path>
-        </a:gradFill>
-        <a:gradFill rotWithShape="1">
-          <a:gsLst>
-            <a:gs pos="0">
-              <a:schemeClr val="phClr">
-                <a:tint val="80000"/>
-                <a:satMod val="300000"/>
-              </a:schemeClr>
-            </a:gs>
-            <a:gs pos="100000">
-              <a:schemeClr val="phClr">
-                <a:shade val="30000"/>
-                <a:satMod val="200000"/>
-              </a:schemeClr>
-            </a:gs>
-          </a:gsLst>
-          <a:path path="circle">
-            <a:fillToRect l="50000" t="50000" r="50000" b="50000"/>
-          </a:path>
-        </a:gradFill>
-      </a:bgFillStyleLst>
-    </a:fmtScheme>
-  </a:themeElements>
-</a:theme>
 </file>